--- a/Jeladó_PPT.pptx
+++ b/Jeladó_PPT.pptx
@@ -211,7 +211,7 @@
           <a:p>
             <a:fld id="{2F6E8B1B-4039-47CD-A423-82DD3B1AF3F4}" type="datetimeFigureOut">
               <a:rPr lang="hu-HU" smtClean="0"/>
-              <a:t>2025. 03. 09.</a:t>
+              <a:t>2025. 03. 10.</a:t>
             </a:fld>
             <a:endParaRPr lang="hu-HU"/>
           </a:p>
@@ -709,7 +709,7 @@
           <a:p>
             <a:fld id="{18CF9ACC-E1D3-4992-A261-27EB13A96DCB}" type="datetimeFigureOut">
               <a:rPr lang="hu-HU" smtClean="0"/>
-              <a:t>2025. 03. 09.</a:t>
+              <a:t>2025. 03. 10.</a:t>
             </a:fld>
             <a:endParaRPr lang="hu-HU"/>
           </a:p>
@@ -907,7 +907,7 @@
           <a:p>
             <a:fld id="{18CF9ACC-E1D3-4992-A261-27EB13A96DCB}" type="datetimeFigureOut">
               <a:rPr lang="hu-HU" smtClean="0"/>
-              <a:t>2025. 03. 09.</a:t>
+              <a:t>2025. 03. 10.</a:t>
             </a:fld>
             <a:endParaRPr lang="hu-HU"/>
           </a:p>
@@ -1115,7 +1115,7 @@
           <a:p>
             <a:fld id="{18CF9ACC-E1D3-4992-A261-27EB13A96DCB}" type="datetimeFigureOut">
               <a:rPr lang="hu-HU" smtClean="0"/>
-              <a:t>2025. 03. 09.</a:t>
+              <a:t>2025. 03. 10.</a:t>
             </a:fld>
             <a:endParaRPr lang="hu-HU"/>
           </a:p>
@@ -1313,7 +1313,7 @@
           <a:p>
             <a:fld id="{18CF9ACC-E1D3-4992-A261-27EB13A96DCB}" type="datetimeFigureOut">
               <a:rPr lang="hu-HU" smtClean="0"/>
-              <a:t>2025. 03. 09.</a:t>
+              <a:t>2025. 03. 10.</a:t>
             </a:fld>
             <a:endParaRPr lang="hu-HU"/>
           </a:p>
@@ -1588,7 +1588,7 @@
           <a:p>
             <a:fld id="{18CF9ACC-E1D3-4992-A261-27EB13A96DCB}" type="datetimeFigureOut">
               <a:rPr lang="hu-HU" smtClean="0"/>
-              <a:t>2025. 03. 09.</a:t>
+              <a:t>2025. 03. 10.</a:t>
             </a:fld>
             <a:endParaRPr lang="hu-HU"/>
           </a:p>
@@ -1853,7 +1853,7 @@
           <a:p>
             <a:fld id="{18CF9ACC-E1D3-4992-A261-27EB13A96DCB}" type="datetimeFigureOut">
               <a:rPr lang="hu-HU" smtClean="0"/>
-              <a:t>2025. 03. 09.</a:t>
+              <a:t>2025. 03. 10.</a:t>
             </a:fld>
             <a:endParaRPr lang="hu-HU"/>
           </a:p>
@@ -2265,7 +2265,7 @@
           <a:p>
             <a:fld id="{18CF9ACC-E1D3-4992-A261-27EB13A96DCB}" type="datetimeFigureOut">
               <a:rPr lang="hu-HU" smtClean="0"/>
-              <a:t>2025. 03. 09.</a:t>
+              <a:t>2025. 03. 10.</a:t>
             </a:fld>
             <a:endParaRPr lang="hu-HU"/>
           </a:p>
@@ -2406,7 +2406,7 @@
           <a:p>
             <a:fld id="{18CF9ACC-E1D3-4992-A261-27EB13A96DCB}" type="datetimeFigureOut">
               <a:rPr lang="hu-HU" smtClean="0"/>
-              <a:t>2025. 03. 09.</a:t>
+              <a:t>2025. 03. 10.</a:t>
             </a:fld>
             <a:endParaRPr lang="hu-HU"/>
           </a:p>
@@ -2519,7 +2519,7 @@
           <a:p>
             <a:fld id="{18CF9ACC-E1D3-4992-A261-27EB13A96DCB}" type="datetimeFigureOut">
               <a:rPr lang="hu-HU" smtClean="0"/>
-              <a:t>2025. 03. 09.</a:t>
+              <a:t>2025. 03. 10.</a:t>
             </a:fld>
             <a:endParaRPr lang="hu-HU"/>
           </a:p>
@@ -2830,7 +2830,7 @@
           <a:p>
             <a:fld id="{18CF9ACC-E1D3-4992-A261-27EB13A96DCB}" type="datetimeFigureOut">
               <a:rPr lang="hu-HU" smtClean="0"/>
-              <a:t>2025. 03. 09.</a:t>
+              <a:t>2025. 03. 10.</a:t>
             </a:fld>
             <a:endParaRPr lang="hu-HU"/>
           </a:p>
@@ -3118,7 +3118,7 @@
           <a:p>
             <a:fld id="{18CF9ACC-E1D3-4992-A261-27EB13A96DCB}" type="datetimeFigureOut">
               <a:rPr lang="hu-HU" smtClean="0"/>
-              <a:t>2025. 03. 09.</a:t>
+              <a:t>2025. 03. 10.</a:t>
             </a:fld>
             <a:endParaRPr lang="hu-HU"/>
           </a:p>
@@ -3368,7 +3368,7 @@
           <a:p>
             <a:fld id="{18CF9ACC-E1D3-4992-A261-27EB13A96DCB}" type="datetimeFigureOut">
               <a:rPr lang="hu-HU" smtClean="0"/>
-              <a:t>2025. 03. 09.</a:t>
+              <a:t>2025. 03. 10.</a:t>
             </a:fld>
             <a:endParaRPr lang="hu-HU"/>
           </a:p>
@@ -4539,6 +4539,65 @@
           </a:prstGeom>
         </p:spPr>
       </p:pic>
+      <p:pic>
+        <p:nvPicPr>
+          <p:cNvPr id="3" name="Kép 2">
+            <a:extLst>
+              <a:ext uri="{FF2B5EF4-FFF2-40B4-BE49-F238E27FC236}">
+                <a16:creationId xmlns:a16="http://schemas.microsoft.com/office/drawing/2014/main" id="{375A683F-023B-655E-5754-226FF64D4F73}"/>
+              </a:ext>
+            </a:extLst>
+          </p:cNvPr>
+          <p:cNvPicPr>
+            <a:picLocks noChangeAspect="1"/>
+          </p:cNvPicPr>
+          <p:nvPr/>
+        </p:nvPicPr>
+        <p:blipFill>
+          <a:blip r:embed="rId3"/>
+          <a:stretch>
+            <a:fillRect/>
+          </a:stretch>
+        </p:blipFill>
+        <p:spPr>
+          <a:xfrm>
+            <a:off x="381000" y="6858000"/>
+            <a:ext cx="8994774" cy="2698432"/>
+          </a:xfrm>
+          <a:prstGeom prst="rect">
+            <a:avLst/>
+          </a:prstGeom>
+        </p:spPr>
+      </p:pic>
+      <p:pic>
+        <p:nvPicPr>
+          <p:cNvPr id="4" name="Kép 3">
+            <a:extLst>
+              <a:ext uri="{FF2B5EF4-FFF2-40B4-BE49-F238E27FC236}">
+                <a16:creationId xmlns:a16="http://schemas.microsoft.com/office/drawing/2014/main" id="{504DDE3E-A494-060C-8265-320673F44EAE}"/>
+              </a:ext>
+            </a:extLst>
+          </p:cNvPr>
+          <p:cNvPicPr>
+            <a:picLocks noChangeAspect="1"/>
+          </p:cNvPicPr>
+          <p:nvPr/>
+        </p:nvPicPr>
+        <p:blipFill>
+          <a:blip r:embed="rId4"/>
+          <a:srcRect b="7498"/>
+          <a:stretch/>
+        </p:blipFill>
+        <p:spPr>
+          <a:xfrm>
+            <a:off x="3111499" y="9691053"/>
+            <a:ext cx="8790942" cy="3555209"/>
+          </a:xfrm>
+          <a:prstGeom prst="rect">
+            <a:avLst/>
+          </a:prstGeom>
+        </p:spPr>
+      </p:pic>
     </p:spTree>
     <p:extLst>
       <p:ext uri="{BB962C8B-B14F-4D97-AF65-F5344CB8AC3E}">
@@ -4644,6 +4703,65 @@
           <a:xfrm>
             <a:off x="381000" y="-5052355"/>
             <a:ext cx="10351167" cy="5052355"/>
+          </a:xfrm>
+          <a:prstGeom prst="rect">
+            <a:avLst/>
+          </a:prstGeom>
+        </p:spPr>
+      </p:pic>
+      <p:pic>
+        <p:nvPicPr>
+          <p:cNvPr id="4" name="Kép 3">
+            <a:extLst>
+              <a:ext uri="{FF2B5EF4-FFF2-40B4-BE49-F238E27FC236}">
+                <a16:creationId xmlns:a16="http://schemas.microsoft.com/office/drawing/2014/main" id="{5B7DC69D-822F-04AD-9CB0-A902D9363F88}"/>
+              </a:ext>
+            </a:extLst>
+          </p:cNvPr>
+          <p:cNvPicPr>
+            <a:picLocks noChangeAspect="1"/>
+          </p:cNvPicPr>
+          <p:nvPr/>
+        </p:nvPicPr>
+        <p:blipFill>
+          <a:blip r:embed="rId3"/>
+          <a:stretch>
+            <a:fillRect/>
+          </a:stretch>
+        </p:blipFill>
+        <p:spPr>
+          <a:xfrm>
+            <a:off x="381000" y="242888"/>
+            <a:ext cx="8994774" cy="2698432"/>
+          </a:xfrm>
+          <a:prstGeom prst="rect">
+            <a:avLst/>
+          </a:prstGeom>
+        </p:spPr>
+      </p:pic>
+      <p:pic>
+        <p:nvPicPr>
+          <p:cNvPr id="7" name="Kép 6">
+            <a:extLst>
+              <a:ext uri="{FF2B5EF4-FFF2-40B4-BE49-F238E27FC236}">
+                <a16:creationId xmlns:a16="http://schemas.microsoft.com/office/drawing/2014/main" id="{8E527F06-D894-9F34-6200-DF5AE199916C}"/>
+              </a:ext>
+            </a:extLst>
+          </p:cNvPr>
+          <p:cNvPicPr>
+            <a:picLocks noChangeAspect="1"/>
+          </p:cNvPicPr>
+          <p:nvPr/>
+        </p:nvPicPr>
+        <p:blipFill>
+          <a:blip r:embed="rId4"/>
+          <a:srcRect b="7498"/>
+          <a:stretch/>
+        </p:blipFill>
+        <p:spPr>
+          <a:xfrm>
+            <a:off x="3111499" y="3075941"/>
+            <a:ext cx="8790942" cy="3555209"/>
           </a:xfrm>
           <a:prstGeom prst="rect">
             <a:avLst/>

--- a/Jeladó_PPT.pptx
+++ b/Jeladó_PPT.pptx
@@ -5,7 +5,7 @@
     <p:sldMasterId id="2147483648" r:id="rId1"/>
   </p:sldMasterIdLst>
   <p:notesMasterIdLst>
-    <p:notesMasterId r:id="rId17"/>
+    <p:notesMasterId r:id="rId16"/>
   </p:notesMasterIdLst>
   <p:sldIdLst>
     <p:sldId id="267" r:id="rId2"/>
@@ -20,9 +20,8 @@
     <p:sldId id="282" r:id="rId11"/>
     <p:sldId id="283" r:id="rId12"/>
     <p:sldId id="266" r:id="rId13"/>
-    <p:sldId id="285" r:id="rId14"/>
-    <p:sldId id="265" r:id="rId15"/>
-    <p:sldId id="263" r:id="rId16"/>
+    <p:sldId id="265" r:id="rId14"/>
+    <p:sldId id="263" r:id="rId15"/>
   </p:sldIdLst>
   <p:sldSz cx="12192000" cy="6858000"/>
   <p:notesSz cx="6858000" cy="9144000"/>
@@ -211,7 +210,7 @@
           <a:p>
             <a:fld id="{2F6E8B1B-4039-47CD-A423-82DD3B1AF3F4}" type="datetimeFigureOut">
               <a:rPr lang="hu-HU" smtClean="0"/>
-              <a:t>2025. 03. 10.</a:t>
+              <a:t>2025.03.10</a:t>
             </a:fld>
             <a:endParaRPr lang="hu-HU"/>
           </a:p>
@@ -562,6 +561,90 @@
 </p:notes>
 </file>
 
+<file path=ppt/notesSlides/notesSlide2.xml><?xml version="1.0" encoding="utf-8"?>
+<p:notes xmlns:a="http://schemas.openxmlformats.org/drawingml/2006/main" xmlns:r="http://schemas.openxmlformats.org/officeDocument/2006/relationships" xmlns:p="http://schemas.openxmlformats.org/presentationml/2006/main">
+  <p:cSld>
+    <p:spTree>
+      <p:nvGrpSpPr>
+        <p:cNvPr id="1" name=""/>
+        <p:cNvGrpSpPr/>
+        <p:nvPr/>
+      </p:nvGrpSpPr>
+      <p:grpSpPr>
+        <a:xfrm>
+          <a:off x="0" y="0"/>
+          <a:ext cx="0" cy="0"/>
+          <a:chOff x="0" y="0"/>
+          <a:chExt cx="0" cy="0"/>
+        </a:xfrm>
+      </p:grpSpPr>
+      <p:sp>
+        <p:nvSpPr>
+          <p:cNvPr id="2" name="Diakép helye 1"/>
+          <p:cNvSpPr>
+            <a:spLocks noGrp="1" noRot="1" noChangeAspect="1"/>
+          </p:cNvSpPr>
+          <p:nvPr>
+            <p:ph type="sldImg"/>
+          </p:nvPr>
+        </p:nvSpPr>
+        <p:spPr/>
+      </p:sp>
+      <p:sp>
+        <p:nvSpPr>
+          <p:cNvPr id="3" name="Jegyzetek helye 2"/>
+          <p:cNvSpPr>
+            <a:spLocks noGrp="1"/>
+          </p:cNvSpPr>
+          <p:nvPr>
+            <p:ph type="body" idx="1"/>
+          </p:nvPr>
+        </p:nvSpPr>
+        <p:spPr/>
+        <p:txBody>
+          <a:bodyPr/>
+          <a:lstStyle/>
+          <a:p>
+            <a:endParaRPr lang="hu-HU" dirty="0"/>
+          </a:p>
+        </p:txBody>
+      </p:sp>
+      <p:sp>
+        <p:nvSpPr>
+          <p:cNvPr id="4" name="Dia számának helye 3"/>
+          <p:cNvSpPr>
+            <a:spLocks noGrp="1"/>
+          </p:cNvSpPr>
+          <p:nvPr>
+            <p:ph type="sldNum" sz="quarter" idx="5"/>
+          </p:nvPr>
+        </p:nvSpPr>
+        <p:spPr/>
+        <p:txBody>
+          <a:bodyPr/>
+          <a:lstStyle/>
+          <a:p>
+            <a:fld id="{31308CC8-C766-48EA-A8B9-DD8CBB145570}" type="slidenum">
+              <a:rPr lang="hu-HU" smtClean="0"/>
+              <a:t>10</a:t>
+            </a:fld>
+            <a:endParaRPr lang="hu-HU"/>
+          </a:p>
+        </p:txBody>
+      </p:sp>
+    </p:spTree>
+    <p:extLst>
+      <p:ext uri="{BB962C8B-B14F-4D97-AF65-F5344CB8AC3E}">
+        <p14:creationId xmlns:p14="http://schemas.microsoft.com/office/powerpoint/2010/main" val="1947770327"/>
+      </p:ext>
+    </p:extLst>
+  </p:cSld>
+  <p:clrMapOvr>
+    <a:masterClrMapping/>
+  </p:clrMapOvr>
+</p:notes>
+</file>
+
 <file path=ppt/slideLayouts/slideLayout1.xml><?xml version="1.0" encoding="utf-8"?>
 <p:sldLayout xmlns:a="http://schemas.openxmlformats.org/drawingml/2006/main" xmlns:r="http://schemas.openxmlformats.org/officeDocument/2006/relationships" xmlns:p="http://schemas.openxmlformats.org/presentationml/2006/main" type="title" preserve="1">
   <p:cSld name="Címdia">
@@ -709,7 +792,7 @@
           <a:p>
             <a:fld id="{18CF9ACC-E1D3-4992-A261-27EB13A96DCB}" type="datetimeFigureOut">
               <a:rPr lang="hu-HU" smtClean="0"/>
-              <a:t>2025. 03. 10.</a:t>
+              <a:t>2025.03.10</a:t>
             </a:fld>
             <a:endParaRPr lang="hu-HU"/>
           </a:p>
@@ -907,7 +990,7 @@
           <a:p>
             <a:fld id="{18CF9ACC-E1D3-4992-A261-27EB13A96DCB}" type="datetimeFigureOut">
               <a:rPr lang="hu-HU" smtClean="0"/>
-              <a:t>2025. 03. 10.</a:t>
+              <a:t>2025.03.10</a:t>
             </a:fld>
             <a:endParaRPr lang="hu-HU"/>
           </a:p>
@@ -1115,7 +1198,7 @@
           <a:p>
             <a:fld id="{18CF9ACC-E1D3-4992-A261-27EB13A96DCB}" type="datetimeFigureOut">
               <a:rPr lang="hu-HU" smtClean="0"/>
-              <a:t>2025. 03. 10.</a:t>
+              <a:t>2025.03.10</a:t>
             </a:fld>
             <a:endParaRPr lang="hu-HU"/>
           </a:p>
@@ -1313,7 +1396,7 @@
           <a:p>
             <a:fld id="{18CF9ACC-E1D3-4992-A261-27EB13A96DCB}" type="datetimeFigureOut">
               <a:rPr lang="hu-HU" smtClean="0"/>
-              <a:t>2025. 03. 10.</a:t>
+              <a:t>2025.03.10</a:t>
             </a:fld>
             <a:endParaRPr lang="hu-HU"/>
           </a:p>
@@ -1588,7 +1671,7 @@
           <a:p>
             <a:fld id="{18CF9ACC-E1D3-4992-A261-27EB13A96DCB}" type="datetimeFigureOut">
               <a:rPr lang="hu-HU" smtClean="0"/>
-              <a:t>2025. 03. 10.</a:t>
+              <a:t>2025.03.10</a:t>
             </a:fld>
             <a:endParaRPr lang="hu-HU"/>
           </a:p>
@@ -1853,7 +1936,7 @@
           <a:p>
             <a:fld id="{18CF9ACC-E1D3-4992-A261-27EB13A96DCB}" type="datetimeFigureOut">
               <a:rPr lang="hu-HU" smtClean="0"/>
-              <a:t>2025. 03. 10.</a:t>
+              <a:t>2025.03.10</a:t>
             </a:fld>
             <a:endParaRPr lang="hu-HU"/>
           </a:p>
@@ -2265,7 +2348,7 @@
           <a:p>
             <a:fld id="{18CF9ACC-E1D3-4992-A261-27EB13A96DCB}" type="datetimeFigureOut">
               <a:rPr lang="hu-HU" smtClean="0"/>
-              <a:t>2025. 03. 10.</a:t>
+              <a:t>2025.03.10</a:t>
             </a:fld>
             <a:endParaRPr lang="hu-HU"/>
           </a:p>
@@ -2406,7 +2489,7 @@
           <a:p>
             <a:fld id="{18CF9ACC-E1D3-4992-A261-27EB13A96DCB}" type="datetimeFigureOut">
               <a:rPr lang="hu-HU" smtClean="0"/>
-              <a:t>2025. 03. 10.</a:t>
+              <a:t>2025.03.10</a:t>
             </a:fld>
             <a:endParaRPr lang="hu-HU"/>
           </a:p>
@@ -2519,7 +2602,7 @@
           <a:p>
             <a:fld id="{18CF9ACC-E1D3-4992-A261-27EB13A96DCB}" type="datetimeFigureOut">
               <a:rPr lang="hu-HU" smtClean="0"/>
-              <a:t>2025. 03. 10.</a:t>
+              <a:t>2025.03.10</a:t>
             </a:fld>
             <a:endParaRPr lang="hu-HU"/>
           </a:p>
@@ -2830,7 +2913,7 @@
           <a:p>
             <a:fld id="{18CF9ACC-E1D3-4992-A261-27EB13A96DCB}" type="datetimeFigureOut">
               <a:rPr lang="hu-HU" smtClean="0"/>
-              <a:t>2025. 03. 10.</a:t>
+              <a:t>2025.03.10</a:t>
             </a:fld>
             <a:endParaRPr lang="hu-HU"/>
           </a:p>
@@ -3118,7 +3201,7 @@
           <a:p>
             <a:fld id="{18CF9ACC-E1D3-4992-A261-27EB13A96DCB}" type="datetimeFigureOut">
               <a:rPr lang="hu-HU" smtClean="0"/>
-              <a:t>2025. 03. 10.</a:t>
+              <a:t>2025.03.10</a:t>
             </a:fld>
             <a:endParaRPr lang="hu-HU"/>
           </a:p>
@@ -3368,7 +3451,7 @@
           <a:p>
             <a:fld id="{18CF9ACC-E1D3-4992-A261-27EB13A96DCB}" type="datetimeFigureOut">
               <a:rPr lang="hu-HU" smtClean="0"/>
-              <a:t>2025. 03. 10.</a:t>
+              <a:t>2025.03.10</a:t>
             </a:fld>
             <a:endParaRPr lang="hu-HU"/>
           </a:p>
@@ -4029,35 +4112,6 @@
       </p:sp>
       <p:pic>
         <p:nvPicPr>
-          <p:cNvPr id="4" name="Kép 3">
-            <a:extLst>
-              <a:ext uri="{FF2B5EF4-FFF2-40B4-BE49-F238E27FC236}">
-                <a16:creationId xmlns:a16="http://schemas.microsoft.com/office/drawing/2014/main" id="{D07FC809-2110-11E0-1CC2-7CD7631D0753}"/>
-              </a:ext>
-            </a:extLst>
-          </p:cNvPr>
-          <p:cNvPicPr>
-            <a:picLocks noChangeAspect="1"/>
-          </p:cNvPicPr>
-          <p:nvPr/>
-        </p:nvPicPr>
-        <p:blipFill>
-          <a:blip r:embed="rId2"/>
-          <a:srcRect r="2426"/>
-          <a:stretch/>
-        </p:blipFill>
-        <p:spPr>
-          <a:xfrm>
-            <a:off x="-5626768" y="2257238"/>
-            <a:ext cx="5626768" cy="1349833"/>
-          </a:xfrm>
-          <a:prstGeom prst="rect">
-            <a:avLst/>
-          </a:prstGeom>
-        </p:spPr>
-      </p:pic>
-      <p:pic>
-        <p:nvPicPr>
           <p:cNvPr id="3" name="Kép 2">
             <a:extLst>
               <a:ext uri="{FF2B5EF4-FFF2-40B4-BE49-F238E27FC236}">
@@ -4145,10 +4199,10 @@
       </p:pic>
       <p:pic>
         <p:nvPicPr>
-          <p:cNvPr id="11" name="Kép 10">
-            <a:extLst>
-              <a:ext uri="{FF2B5EF4-FFF2-40B4-BE49-F238E27FC236}">
-                <a16:creationId xmlns:a16="http://schemas.microsoft.com/office/drawing/2014/main" id="{A906E9C2-7239-A6FE-3AB5-D52EB8977815}"/>
+          <p:cNvPr id="9" name="Kép 8">
+            <a:extLst>
+              <a:ext uri="{FF2B5EF4-FFF2-40B4-BE49-F238E27FC236}">
+                <a16:creationId xmlns:a16="http://schemas.microsoft.com/office/drawing/2014/main" id="{14843D89-5F85-4CF0-A8BF-BC8C2B6AF92B}"/>
               </a:ext>
             </a:extLst>
           </p:cNvPr>
@@ -4165,8 +4219,8 @@
         </p:blipFill>
         <p:spPr>
           <a:xfrm>
-            <a:off x="12416649" y="78054"/>
-            <a:ext cx="9006590" cy="3741869"/>
+            <a:off x="-6877893" y="2348678"/>
+            <a:ext cx="6877893" cy="1368605"/>
           </a:xfrm>
           <a:prstGeom prst="rect">
             <a:avLst/>
@@ -4175,10 +4229,10 @@
       </p:pic>
       <p:pic>
         <p:nvPicPr>
-          <p:cNvPr id="12" name="Kép 11">
-            <a:extLst>
-              <a:ext uri="{FF2B5EF4-FFF2-40B4-BE49-F238E27FC236}">
-                <a16:creationId xmlns:a16="http://schemas.microsoft.com/office/drawing/2014/main" id="{E76F87C6-11FA-1D7A-DCA8-DDCE5A162AFC}"/>
+          <p:cNvPr id="10" name="Kép 9">
+            <a:extLst>
+              <a:ext uri="{FF2B5EF4-FFF2-40B4-BE49-F238E27FC236}">
+                <a16:creationId xmlns:a16="http://schemas.microsoft.com/office/drawing/2014/main" id="{A9071DA8-150C-44FD-8584-AEDF03144F6F}"/>
               </a:ext>
             </a:extLst>
           </p:cNvPr>
@@ -4189,13 +4243,77 @@
         </p:nvPicPr>
         <p:blipFill>
           <a:blip r:embed="rId7"/>
+          <a:stretch>
+            <a:fillRect/>
+          </a:stretch>
+        </p:blipFill>
+        <p:spPr>
+          <a:xfrm>
+            <a:off x="12192000" y="188445"/>
+            <a:ext cx="8443767" cy="3508039"/>
+          </a:xfrm>
+          <a:prstGeom prst="rect">
+            <a:avLst/>
+          </a:prstGeom>
+        </p:spPr>
+      </p:pic>
+      <p:pic>
+        <p:nvPicPr>
+          <p:cNvPr id="13" name="Kép 12">
+            <a:extLst>
+              <a:ext uri="{FF2B5EF4-FFF2-40B4-BE49-F238E27FC236}">
+                <a16:creationId xmlns:a16="http://schemas.microsoft.com/office/drawing/2014/main" id="{DFF9720E-BCD5-4472-AD4E-BF7416B3AF8E}"/>
+              </a:ext>
+            </a:extLst>
+          </p:cNvPr>
+          <p:cNvPicPr>
+            <a:picLocks noChangeAspect="1"/>
+          </p:cNvPicPr>
+          <p:nvPr/>
+        </p:nvPicPr>
+        <p:blipFill>
+          <a:blip r:embed="rId8"/>
           <a:srcRect r="1277"/>
           <a:stretch/>
         </p:blipFill>
         <p:spPr>
           <a:xfrm>
-            <a:off x="16792737" y="2680935"/>
-            <a:ext cx="7536612" cy="3974480"/>
+            <a:off x="15469449" y="3416799"/>
+            <a:ext cx="6375860" cy="3362351"/>
+          </a:xfrm>
+          <a:prstGeom prst="rect">
+            <a:avLst/>
+          </a:prstGeom>
+          <a:ln w="15875">
+            <a:solidFill>
+              <a:schemeClr val="bg1"/>
+            </a:solidFill>
+          </a:ln>
+        </p:spPr>
+      </p:pic>
+      <p:pic>
+        <p:nvPicPr>
+          <p:cNvPr id="14" name="Kép 13">
+            <a:extLst>
+              <a:ext uri="{FF2B5EF4-FFF2-40B4-BE49-F238E27FC236}">
+                <a16:creationId xmlns:a16="http://schemas.microsoft.com/office/drawing/2014/main" id="{9DB5FAD2-968D-4207-B225-2854D914BE44}"/>
+              </a:ext>
+            </a:extLst>
+          </p:cNvPr>
+          <p:cNvPicPr>
+            <a:picLocks noChangeAspect="1"/>
+          </p:cNvPicPr>
+          <p:nvPr/>
+        </p:nvPicPr>
+        <p:blipFill rotWithShape="1">
+          <a:blip r:embed="rId9"/>
+          <a:srcRect t="50876" r="22197"/>
+          <a:stretch/>
+        </p:blipFill>
+        <p:spPr>
+          <a:xfrm>
+            <a:off x="17520753" y="2235595"/>
+            <a:ext cx="6554563" cy="1241530"/>
           </a:xfrm>
           <a:prstGeom prst="rect">
             <a:avLst/>
@@ -4393,7 +4511,7 @@
         <p:spPr>
           <a:xfrm>
             <a:off x="162100" y="140320"/>
-            <a:ext cx="9006590" cy="3741869"/>
+            <a:ext cx="8443767" cy="3508039"/>
           </a:xfrm>
           <a:prstGeom prst="rect">
             <a:avLst/>
@@ -4421,8 +4539,42 @@
         </p:blipFill>
         <p:spPr>
           <a:xfrm>
-            <a:off x="4538188" y="2743201"/>
-            <a:ext cx="7536612" cy="3974480"/>
+            <a:off x="3439549" y="3368674"/>
+            <a:ext cx="6375860" cy="3362351"/>
+          </a:xfrm>
+          <a:prstGeom prst="rect">
+            <a:avLst/>
+          </a:prstGeom>
+          <a:ln w="15875">
+            <a:solidFill>
+              <a:schemeClr val="bg1"/>
+            </a:solidFill>
+          </a:ln>
+        </p:spPr>
+      </p:pic>
+      <p:pic>
+        <p:nvPicPr>
+          <p:cNvPr id="10" name="Kép 9">
+            <a:extLst>
+              <a:ext uri="{FF2B5EF4-FFF2-40B4-BE49-F238E27FC236}">
+                <a16:creationId xmlns:a16="http://schemas.microsoft.com/office/drawing/2014/main" id="{F04625C2-8850-4B24-BC4F-D62B01E594EF}"/>
+              </a:ext>
+            </a:extLst>
+          </p:cNvPr>
+          <p:cNvPicPr>
+            <a:picLocks noChangeAspect="1"/>
+          </p:cNvPicPr>
+          <p:nvPr/>
+        </p:nvPicPr>
+        <p:blipFill rotWithShape="1">
+          <a:blip r:embed="rId7"/>
+          <a:srcRect t="50876" r="22197"/>
+          <a:stretch/>
+        </p:blipFill>
+        <p:spPr>
+          <a:xfrm>
+            <a:off x="5490853" y="2187470"/>
+            <a:ext cx="6554563" cy="1241530"/>
           </a:xfrm>
           <a:prstGeom prst="rect">
             <a:avLst/>
@@ -4532,7 +4684,7 @@
         <p:spPr>
           <a:xfrm>
             <a:off x="381000" y="1435725"/>
-            <a:ext cx="10351167" cy="5052355"/>
+            <a:ext cx="7898799" cy="3855366"/>
           </a:xfrm>
           <a:prstGeom prst="rect">
             <a:avLst/>
@@ -4541,10 +4693,10 @@
       </p:pic>
       <p:pic>
         <p:nvPicPr>
-          <p:cNvPr id="3" name="Kép 2">
-            <a:extLst>
-              <a:ext uri="{FF2B5EF4-FFF2-40B4-BE49-F238E27FC236}">
-                <a16:creationId xmlns:a16="http://schemas.microsoft.com/office/drawing/2014/main" id="{375A683F-023B-655E-5754-226FF64D4F73}"/>
+          <p:cNvPr id="6" name="Kép 5">
+            <a:extLst>
+              <a:ext uri="{FF2B5EF4-FFF2-40B4-BE49-F238E27FC236}">
+                <a16:creationId xmlns:a16="http://schemas.microsoft.com/office/drawing/2014/main" id="{C7D62EC3-F393-4D51-8A66-8FBCB9957585}"/>
               </a:ext>
             </a:extLst>
           </p:cNvPr>
@@ -4553,45 +4705,15 @@
           </p:cNvPicPr>
           <p:nvPr/>
         </p:nvPicPr>
-        <p:blipFill>
+        <p:blipFill rotWithShape="1">
           <a:blip r:embed="rId3"/>
-          <a:stretch>
-            <a:fillRect/>
-          </a:stretch>
-        </p:blipFill>
-        <p:spPr>
-          <a:xfrm>
-            <a:off x="381000" y="6858000"/>
-            <a:ext cx="8994774" cy="2698432"/>
-          </a:xfrm>
-          <a:prstGeom prst="rect">
-            <a:avLst/>
-          </a:prstGeom>
-        </p:spPr>
-      </p:pic>
-      <p:pic>
-        <p:nvPicPr>
-          <p:cNvPr id="4" name="Kép 3">
-            <a:extLst>
-              <a:ext uri="{FF2B5EF4-FFF2-40B4-BE49-F238E27FC236}">
-                <a16:creationId xmlns:a16="http://schemas.microsoft.com/office/drawing/2014/main" id="{504DDE3E-A494-060C-8265-320673F44EAE}"/>
-              </a:ext>
-            </a:extLst>
-          </p:cNvPr>
-          <p:cNvPicPr>
-            <a:picLocks noChangeAspect="1"/>
-          </p:cNvPicPr>
-          <p:nvPr/>
-        </p:nvPicPr>
-        <p:blipFill>
-          <a:blip r:embed="rId4"/>
-          <a:srcRect b="7498"/>
+          <a:srcRect t="1041" b="32128"/>
           <a:stretch/>
         </p:blipFill>
         <p:spPr>
           <a:xfrm>
-            <a:off x="3111499" y="9691053"/>
-            <a:ext cx="8790942" cy="3555209"/>
+            <a:off x="4727251" y="4722920"/>
+            <a:ext cx="7105095" cy="2076016"/>
           </a:xfrm>
           <a:prstGeom prst="rect">
             <a:avLst/>
@@ -4624,176 +4746,6 @@
 </file>
 
 <file path=ppt/slides/slide13.xml><?xml version="1.0" encoding="utf-8"?>
-<p:sld xmlns:a="http://schemas.openxmlformats.org/drawingml/2006/main" xmlns:r="http://schemas.openxmlformats.org/officeDocument/2006/relationships" xmlns:p="http://schemas.openxmlformats.org/presentationml/2006/main">
-  <p:cSld>
-    <p:spTree>
-      <p:nvGrpSpPr>
-        <p:cNvPr id="1" name="">
-          <a:extLst>
-            <a:ext uri="{FF2B5EF4-FFF2-40B4-BE49-F238E27FC236}">
-              <a16:creationId xmlns:a16="http://schemas.microsoft.com/office/drawing/2014/main" id="{CA8E591B-C330-6671-E03A-66B6FFBFBA49}"/>
-            </a:ext>
-          </a:extLst>
-        </p:cNvPr>
-        <p:cNvGrpSpPr/>
-        <p:nvPr/>
-      </p:nvGrpSpPr>
-      <p:grpSpPr>
-        <a:xfrm>
-          <a:off x="0" y="0"/>
-          <a:ext cx="0" cy="0"/>
-          <a:chOff x="0" y="0"/>
-          <a:chExt cx="0" cy="0"/>
-        </a:xfrm>
-      </p:grpSpPr>
-      <p:sp>
-        <p:nvSpPr>
-          <p:cNvPr id="2" name="Cím 1">
-            <a:extLst>
-              <a:ext uri="{FF2B5EF4-FFF2-40B4-BE49-F238E27FC236}">
-                <a16:creationId xmlns:a16="http://schemas.microsoft.com/office/drawing/2014/main" id="{4A9EAC8C-A8C4-8D96-D072-72968D918ED4}"/>
-              </a:ext>
-            </a:extLst>
-          </p:cNvPr>
-          <p:cNvSpPr>
-            <a:spLocks noGrp="1"/>
-          </p:cNvSpPr>
-          <p:nvPr>
-            <p:ph type="title"/>
-          </p:nvPr>
-        </p:nvSpPr>
-        <p:spPr>
-          <a:xfrm>
-            <a:off x="381000" y="365125"/>
-            <a:ext cx="10972800" cy="1325563"/>
-          </a:xfrm>
-        </p:spPr>
-        <p:txBody>
-          <a:bodyPr/>
-          <a:lstStyle/>
-          <a:p>
-            <a:r>
-              <a:rPr lang="hu-HU" dirty="0"/>
-              <a:t>Egyéb feladatok megvalósítása</a:t>
-            </a:r>
-          </a:p>
-        </p:txBody>
-      </p:sp>
-      <p:pic>
-        <p:nvPicPr>
-          <p:cNvPr id="5" name="Kép 4">
-            <a:extLst>
-              <a:ext uri="{FF2B5EF4-FFF2-40B4-BE49-F238E27FC236}">
-                <a16:creationId xmlns:a16="http://schemas.microsoft.com/office/drawing/2014/main" id="{AEDFA3B1-6BCE-5FF9-B13C-189148851E6C}"/>
-              </a:ext>
-            </a:extLst>
-          </p:cNvPr>
-          <p:cNvPicPr>
-            <a:picLocks noChangeAspect="1"/>
-          </p:cNvPicPr>
-          <p:nvPr/>
-        </p:nvPicPr>
-        <p:blipFill>
-          <a:blip r:embed="rId2"/>
-          <a:stretch>
-            <a:fillRect/>
-          </a:stretch>
-        </p:blipFill>
-        <p:spPr>
-          <a:xfrm>
-            <a:off x="381000" y="-5052355"/>
-            <a:ext cx="10351167" cy="5052355"/>
-          </a:xfrm>
-          <a:prstGeom prst="rect">
-            <a:avLst/>
-          </a:prstGeom>
-        </p:spPr>
-      </p:pic>
-      <p:pic>
-        <p:nvPicPr>
-          <p:cNvPr id="4" name="Kép 3">
-            <a:extLst>
-              <a:ext uri="{FF2B5EF4-FFF2-40B4-BE49-F238E27FC236}">
-                <a16:creationId xmlns:a16="http://schemas.microsoft.com/office/drawing/2014/main" id="{5B7DC69D-822F-04AD-9CB0-A902D9363F88}"/>
-              </a:ext>
-            </a:extLst>
-          </p:cNvPr>
-          <p:cNvPicPr>
-            <a:picLocks noChangeAspect="1"/>
-          </p:cNvPicPr>
-          <p:nvPr/>
-        </p:nvPicPr>
-        <p:blipFill>
-          <a:blip r:embed="rId3"/>
-          <a:stretch>
-            <a:fillRect/>
-          </a:stretch>
-        </p:blipFill>
-        <p:spPr>
-          <a:xfrm>
-            <a:off x="381000" y="242888"/>
-            <a:ext cx="8994774" cy="2698432"/>
-          </a:xfrm>
-          <a:prstGeom prst="rect">
-            <a:avLst/>
-          </a:prstGeom>
-        </p:spPr>
-      </p:pic>
-      <p:pic>
-        <p:nvPicPr>
-          <p:cNvPr id="7" name="Kép 6">
-            <a:extLst>
-              <a:ext uri="{FF2B5EF4-FFF2-40B4-BE49-F238E27FC236}">
-                <a16:creationId xmlns:a16="http://schemas.microsoft.com/office/drawing/2014/main" id="{8E527F06-D894-9F34-6200-DF5AE199916C}"/>
-              </a:ext>
-            </a:extLst>
-          </p:cNvPr>
-          <p:cNvPicPr>
-            <a:picLocks noChangeAspect="1"/>
-          </p:cNvPicPr>
-          <p:nvPr/>
-        </p:nvPicPr>
-        <p:blipFill>
-          <a:blip r:embed="rId4"/>
-          <a:srcRect b="7498"/>
-          <a:stretch/>
-        </p:blipFill>
-        <p:spPr>
-          <a:xfrm>
-            <a:off x="3111499" y="3075941"/>
-            <a:ext cx="8790942" cy="3555209"/>
-          </a:xfrm>
-          <a:prstGeom prst="rect">
-            <a:avLst/>
-          </a:prstGeom>
-        </p:spPr>
-      </p:pic>
-    </p:spTree>
-    <p:extLst>
-      <p:ext uri="{BB962C8B-B14F-4D97-AF65-F5344CB8AC3E}">
-        <p14:creationId xmlns:p14="http://schemas.microsoft.com/office/powerpoint/2010/main" val="1698384211"/>
-      </p:ext>
-    </p:extLst>
-  </p:cSld>
-  <p:clrMapOvr>
-    <a:masterClrMapping/>
-  </p:clrMapOvr>
-  <mc:AlternateContent xmlns:mc="http://schemas.openxmlformats.org/markup-compatibility/2006" xmlns:p159="http://schemas.microsoft.com/office/powerpoint/2015/09/main">
-    <mc:Choice Requires="p159">
-      <p:transition xmlns:p14="http://schemas.microsoft.com/office/powerpoint/2010/main" spd="slow" p14:dur="2000">
-        <p159:morph option="byObject"/>
-      </p:transition>
-    </mc:Choice>
-    <mc:Fallback xmlns="">
-      <p:transition spd="slow">
-        <p:fade/>
-      </p:transition>
-    </mc:Fallback>
-  </mc:AlternateContent>
-</p:sld>
-</file>
-
-<file path=ppt/slides/slide14.xml><?xml version="1.0" encoding="utf-8"?>
 <p:sld xmlns:a="http://schemas.openxmlformats.org/drawingml/2006/main" xmlns:r="http://schemas.openxmlformats.org/officeDocument/2006/relationships" xmlns:p="http://schemas.openxmlformats.org/presentationml/2006/main">
   <p:cSld>
     <p:spTree>
@@ -4897,7 +4849,7 @@
 </p:sld>
 </file>
 
-<file path=ppt/slides/slide15.xml><?xml version="1.0" encoding="utf-8"?>
+<file path=ppt/slides/slide14.xml><?xml version="1.0" encoding="utf-8"?>
 <p:sld xmlns:a="http://schemas.openxmlformats.org/drawingml/2006/main" xmlns:r="http://schemas.openxmlformats.org/officeDocument/2006/relationships" xmlns:p="http://schemas.openxmlformats.org/presentationml/2006/main">
   <p:cSld>
     <p:spTree>
@@ -5253,10 +5205,10 @@
       </p:sp>
       <p:pic>
         <p:nvPicPr>
-          <p:cNvPr id="4" name="Kép 3">
-            <a:extLst>
-              <a:ext uri="{FF2B5EF4-FFF2-40B4-BE49-F238E27FC236}">
-                <a16:creationId xmlns:a16="http://schemas.microsoft.com/office/drawing/2014/main" id="{0D74B767-0055-5916-BB86-5D56298FE8EB}"/>
+          <p:cNvPr id="3" name="Kép 2">
+            <a:extLst>
+              <a:ext uri="{FF2B5EF4-FFF2-40B4-BE49-F238E27FC236}">
+                <a16:creationId xmlns:a16="http://schemas.microsoft.com/office/drawing/2014/main" id="{6BC0268D-1AE3-4A14-8B12-C95F98688DB5}"/>
               </a:ext>
             </a:extLst>
           </p:cNvPr>
@@ -5265,16 +5217,15 @@
           </p:cNvPicPr>
           <p:nvPr/>
         </p:nvPicPr>
-        <p:blipFill>
+        <p:blipFill rotWithShape="1">
           <a:blip r:embed="rId2"/>
-          <a:stretch>
-            <a:fillRect/>
-          </a:stretch>
+          <a:srcRect l="2684"/>
+          <a:stretch/>
         </p:blipFill>
         <p:spPr>
           <a:xfrm>
-            <a:off x="838200" y="1459322"/>
-            <a:ext cx="9360000" cy="716732"/>
+            <a:off x="838199" y="1459322"/>
+            <a:ext cx="8788451" cy="716732"/>
           </a:xfrm>
           <a:prstGeom prst="rect">
             <a:avLst/>
@@ -5283,10 +5234,10 @@
       </p:pic>
       <p:pic>
         <p:nvPicPr>
-          <p:cNvPr id="5" name="Kép 4">
-            <a:extLst>
-              <a:ext uri="{FF2B5EF4-FFF2-40B4-BE49-F238E27FC236}">
-                <a16:creationId xmlns:a16="http://schemas.microsoft.com/office/drawing/2014/main" id="{A4C01732-2D23-5181-4690-2A354BDF5519}"/>
+          <p:cNvPr id="6" name="Kép 5">
+            <a:extLst>
+              <a:ext uri="{FF2B5EF4-FFF2-40B4-BE49-F238E27FC236}">
+                <a16:creationId xmlns:a16="http://schemas.microsoft.com/office/drawing/2014/main" id="{57BD9D5C-0475-4AF1-AD43-5A25570CE611}"/>
               </a:ext>
             </a:extLst>
           </p:cNvPr>
@@ -5303,8 +5254,38 @@
         </p:blipFill>
         <p:spPr>
           <a:xfrm>
-            <a:off x="1337310" y="1291698"/>
-            <a:ext cx="7227570" cy="5383422"/>
+            <a:off x="404999" y="2415616"/>
+            <a:ext cx="9955655" cy="1483364"/>
+          </a:xfrm>
+          <a:prstGeom prst="rect">
+            <a:avLst/>
+          </a:prstGeom>
+        </p:spPr>
+      </p:pic>
+      <p:pic>
+        <p:nvPicPr>
+          <p:cNvPr id="7" name="Kép 6">
+            <a:extLst>
+              <a:ext uri="{FF2B5EF4-FFF2-40B4-BE49-F238E27FC236}">
+                <a16:creationId xmlns:a16="http://schemas.microsoft.com/office/drawing/2014/main" id="{36D21DDB-5AA1-4509-9324-26E3729B9860}"/>
+              </a:ext>
+            </a:extLst>
+          </p:cNvPr>
+          <p:cNvPicPr>
+            <a:picLocks noChangeAspect="1"/>
+          </p:cNvPicPr>
+          <p:nvPr/>
+        </p:nvPicPr>
+        <p:blipFill>
+          <a:blip r:embed="rId4"/>
+          <a:stretch>
+            <a:fillRect/>
+          </a:stretch>
+        </p:blipFill>
+        <p:spPr>
+          <a:xfrm>
+            <a:off x="3382393" y="4072204"/>
+            <a:ext cx="3749336" cy="2437068"/>
           </a:xfrm>
           <a:prstGeom prst="rect">
             <a:avLst/>
@@ -5333,127 +5314,6 @@
       </p:transition>
     </mc:Fallback>
   </mc:AlternateContent>
-  <p:timing>
-    <p:tnLst>
-      <p:par>
-        <p:cTn id="1" dur="indefinite" restart="never" nodeType="tmRoot">
-          <p:childTnLst>
-            <p:seq concurrent="1" nextAc="seek">
-              <p:cTn id="2" dur="indefinite" nodeType="mainSeq">
-                <p:childTnLst>
-                  <p:par>
-                    <p:cTn id="3" fill="hold">
-                      <p:stCondLst>
-                        <p:cond delay="indefinite"/>
-                      </p:stCondLst>
-                      <p:childTnLst>
-                        <p:par>
-                          <p:cTn id="4" fill="hold">
-                            <p:stCondLst>
-                              <p:cond delay="0"/>
-                            </p:stCondLst>
-                            <p:childTnLst>
-                              <p:par>
-                                <p:cTn id="5" presetID="2" presetClass="entr" presetSubtype="4" fill="hold" nodeType="clickEffect">
-                                  <p:stCondLst>
-                                    <p:cond delay="0"/>
-                                  </p:stCondLst>
-                                  <p:childTnLst>
-                                    <p:set>
-                                      <p:cBhvr>
-                                        <p:cTn id="6" dur="1" fill="hold">
-                                          <p:stCondLst>
-                                            <p:cond delay="0"/>
-                                          </p:stCondLst>
-                                        </p:cTn>
-                                        <p:tgtEl>
-                                          <p:spTgt spid="5"/>
-                                        </p:tgtEl>
-                                        <p:attrNameLst>
-                                          <p:attrName>style.visibility</p:attrName>
-                                        </p:attrNameLst>
-                                      </p:cBhvr>
-                                      <p:to>
-                                        <p:strVal val="visible"/>
-                                      </p:to>
-                                    </p:set>
-                                    <p:anim calcmode="lin" valueType="num">
-                                      <p:cBhvr additive="base">
-                                        <p:cTn id="7" dur="750" fill="hold"/>
-                                        <p:tgtEl>
-                                          <p:spTgt spid="5"/>
-                                        </p:tgtEl>
-                                        <p:attrNameLst>
-                                          <p:attrName>ppt_x</p:attrName>
-                                        </p:attrNameLst>
-                                      </p:cBhvr>
-                                      <p:tavLst>
-                                        <p:tav tm="0">
-                                          <p:val>
-                                            <p:strVal val="#ppt_x"/>
-                                          </p:val>
-                                        </p:tav>
-                                        <p:tav tm="100000">
-                                          <p:val>
-                                            <p:strVal val="#ppt_x"/>
-                                          </p:val>
-                                        </p:tav>
-                                      </p:tavLst>
-                                    </p:anim>
-                                    <p:anim calcmode="lin" valueType="num">
-                                      <p:cBhvr additive="base">
-                                        <p:cTn id="8" dur="750" fill="hold"/>
-                                        <p:tgtEl>
-                                          <p:spTgt spid="5"/>
-                                        </p:tgtEl>
-                                        <p:attrNameLst>
-                                          <p:attrName>ppt_y</p:attrName>
-                                        </p:attrNameLst>
-                                      </p:cBhvr>
-                                      <p:tavLst>
-                                        <p:tav tm="0">
-                                          <p:val>
-                                            <p:strVal val="1+#ppt_h/2"/>
-                                          </p:val>
-                                        </p:tav>
-                                        <p:tav tm="100000">
-                                          <p:val>
-                                            <p:strVal val="#ppt_y"/>
-                                          </p:val>
-                                        </p:tav>
-                                      </p:tavLst>
-                                    </p:anim>
-                                  </p:childTnLst>
-                                </p:cTn>
-                              </p:par>
-                            </p:childTnLst>
-                          </p:cTn>
-                        </p:par>
-                      </p:childTnLst>
-                    </p:cTn>
-                  </p:par>
-                </p:childTnLst>
-              </p:cTn>
-              <p:prevCondLst>
-                <p:cond evt="onPrev" delay="0">
-                  <p:tgtEl>
-                    <p:sldTgt/>
-                  </p:tgtEl>
-                </p:cond>
-              </p:prevCondLst>
-              <p:nextCondLst>
-                <p:cond evt="onNext" delay="0">
-                  <p:tgtEl>
-                    <p:sldTgt/>
-                  </p:tgtEl>
-                </p:cond>
-              </p:nextCondLst>
-            </p:seq>
-          </p:childTnLst>
-        </p:cTn>
-      </p:par>
-    </p:tnLst>
-  </p:timing>
 </p:sld>
 </file>
 
@@ -5510,10 +5370,10 @@
       </p:sp>
       <p:pic>
         <p:nvPicPr>
-          <p:cNvPr id="5" name="Kép 4">
-            <a:extLst>
-              <a:ext uri="{FF2B5EF4-FFF2-40B4-BE49-F238E27FC236}">
-                <a16:creationId xmlns:a16="http://schemas.microsoft.com/office/drawing/2014/main" id="{55F6202F-B4D0-63D4-7750-2CA9B1CD4580}"/>
+          <p:cNvPr id="4" name="Kép 3">
+            <a:extLst>
+              <a:ext uri="{FF2B5EF4-FFF2-40B4-BE49-F238E27FC236}">
+                <a16:creationId xmlns:a16="http://schemas.microsoft.com/office/drawing/2014/main" id="{F63AFCF3-7A2C-14A6-FE42-ECB86A1091BE}"/>
               </a:ext>
             </a:extLst>
           </p:cNvPr>
@@ -5524,36 +5384,6 @@
         </p:nvPicPr>
         <p:blipFill>
           <a:blip r:embed="rId2"/>
-          <a:stretch>
-            <a:fillRect/>
-          </a:stretch>
-        </p:blipFill>
-        <p:spPr>
-          <a:xfrm>
-            <a:off x="838200" y="1465416"/>
-            <a:ext cx="9360000" cy="704544"/>
-          </a:xfrm>
-          <a:prstGeom prst="rect">
-            <a:avLst/>
-          </a:prstGeom>
-        </p:spPr>
-      </p:pic>
-      <p:pic>
-        <p:nvPicPr>
-          <p:cNvPr id="4" name="Kép 3">
-            <a:extLst>
-              <a:ext uri="{FF2B5EF4-FFF2-40B4-BE49-F238E27FC236}">
-                <a16:creationId xmlns:a16="http://schemas.microsoft.com/office/drawing/2014/main" id="{F63AFCF3-7A2C-14A6-FE42-ECB86A1091BE}"/>
-              </a:ext>
-            </a:extLst>
-          </p:cNvPr>
-          <p:cNvPicPr>
-            <a:picLocks noChangeAspect="1"/>
-          </p:cNvPicPr>
-          <p:nvPr/>
-        </p:nvPicPr>
-        <p:blipFill>
-          <a:blip r:embed="rId3"/>
           <a:srcRect l="1631" t="6594"/>
           <a:stretch/>
         </p:blipFill>
@@ -5582,7 +5412,7 @@
           <p:nvPr/>
         </p:nvPicPr>
         <p:blipFill>
-          <a:blip r:embed="rId4"/>
+          <a:blip r:embed="rId3"/>
           <a:srcRect l="1639"/>
           <a:stretch/>
         </p:blipFill>
@@ -5611,7 +5441,7 @@
           <p:nvPr/>
         </p:nvPicPr>
         <p:blipFill>
-          <a:blip r:embed="rId5"/>
+          <a:blip r:embed="rId4"/>
           <a:srcRect r="6986" b="10549"/>
           <a:stretch/>
         </p:blipFill>
@@ -5628,6 +5458,36 @@
               <a:schemeClr val="bg1"/>
             </a:solidFill>
           </a:ln>
+        </p:spPr>
+      </p:pic>
+      <p:pic>
+        <p:nvPicPr>
+          <p:cNvPr id="3" name="Kép 2">
+            <a:extLst>
+              <a:ext uri="{FF2B5EF4-FFF2-40B4-BE49-F238E27FC236}">
+                <a16:creationId xmlns:a16="http://schemas.microsoft.com/office/drawing/2014/main" id="{06FB1ABF-14AB-4D47-B968-D98A73267217}"/>
+              </a:ext>
+            </a:extLst>
+          </p:cNvPr>
+          <p:cNvPicPr>
+            <a:picLocks noChangeAspect="1"/>
+          </p:cNvPicPr>
+          <p:nvPr/>
+        </p:nvPicPr>
+        <p:blipFill>
+          <a:blip r:embed="rId5"/>
+          <a:stretch>
+            <a:fillRect/>
+          </a:stretch>
+        </p:blipFill>
+        <p:spPr>
+          <a:xfrm>
+            <a:off x="838200" y="1465416"/>
+            <a:ext cx="9149270" cy="698505"/>
+          </a:xfrm>
+          <a:prstGeom prst="rect">
+            <a:avLst/>
+          </a:prstGeom>
         </p:spPr>
       </p:pic>
     </p:spTree>
@@ -5861,10 +5721,10 @@
       </p:sp>
       <p:pic>
         <p:nvPicPr>
-          <p:cNvPr id="7" name="Kép 6">
-            <a:extLst>
-              <a:ext uri="{FF2B5EF4-FFF2-40B4-BE49-F238E27FC236}">
-                <a16:creationId xmlns:a16="http://schemas.microsoft.com/office/drawing/2014/main" id="{9ED00642-CB30-E79E-A6B9-A7B42F54B2A2}"/>
+          <p:cNvPr id="4" name="Kép 3">
+            <a:extLst>
+              <a:ext uri="{FF2B5EF4-FFF2-40B4-BE49-F238E27FC236}">
+                <a16:creationId xmlns:a16="http://schemas.microsoft.com/office/drawing/2014/main" id="{EA96CBEE-6103-EDFE-3120-74933971A07A}"/>
               </a:ext>
             </a:extLst>
           </p:cNvPr>
@@ -5875,13 +5735,14 @@
         </p:nvPicPr>
         <p:blipFill>
           <a:blip r:embed="rId2"/>
-          <a:srcRect r="3767" b="36420"/>
-          <a:stretch/>
+          <a:stretch>
+            <a:fillRect/>
+          </a:stretch>
         </p:blipFill>
         <p:spPr>
           <a:xfrm>
-            <a:off x="838200" y="1411672"/>
-            <a:ext cx="9360000" cy="985068"/>
+            <a:off x="838200" y="2788728"/>
+            <a:ext cx="9290487" cy="3096829"/>
           </a:xfrm>
           <a:prstGeom prst="rect">
             <a:avLst/>
@@ -5890,10 +5751,10 @@
       </p:pic>
       <p:pic>
         <p:nvPicPr>
-          <p:cNvPr id="4" name="Kép 3">
-            <a:extLst>
-              <a:ext uri="{FF2B5EF4-FFF2-40B4-BE49-F238E27FC236}">
-                <a16:creationId xmlns:a16="http://schemas.microsoft.com/office/drawing/2014/main" id="{EA96CBEE-6103-EDFE-3120-74933971A07A}"/>
+          <p:cNvPr id="3" name="Kép 2">
+            <a:extLst>
+              <a:ext uri="{FF2B5EF4-FFF2-40B4-BE49-F238E27FC236}">
+                <a16:creationId xmlns:a16="http://schemas.microsoft.com/office/drawing/2014/main" id="{D369AEDC-3AA1-482F-B7A2-B4BB5157F3F6}"/>
               </a:ext>
             </a:extLst>
           </p:cNvPr>
@@ -5902,16 +5763,15 @@
           </p:cNvPicPr>
           <p:nvPr/>
         </p:nvPicPr>
-        <p:blipFill>
+        <p:blipFill rotWithShape="1">
           <a:blip r:embed="rId3"/>
-          <a:stretch>
-            <a:fillRect/>
-          </a:stretch>
+          <a:srcRect r="3279"/>
+          <a:stretch/>
         </p:blipFill>
         <p:spPr>
           <a:xfrm>
-            <a:off x="838200" y="2788728"/>
-            <a:ext cx="9290487" cy="3096829"/>
+            <a:off x="838200" y="1397847"/>
+            <a:ext cx="9360000" cy="812693"/>
           </a:xfrm>
           <a:prstGeom prst="rect">
             <a:avLst/>
@@ -6148,10 +6008,10 @@
       </p:sp>
       <p:pic>
         <p:nvPicPr>
-          <p:cNvPr id="5" name="Kép 4">
-            <a:extLst>
-              <a:ext uri="{FF2B5EF4-FFF2-40B4-BE49-F238E27FC236}">
-                <a16:creationId xmlns:a16="http://schemas.microsoft.com/office/drawing/2014/main" id="{6A93A1F7-2648-8DDC-BBB1-89BCAAD5E363}"/>
+          <p:cNvPr id="4" name="Kép 3">
+            <a:extLst>
+              <a:ext uri="{FF2B5EF4-FFF2-40B4-BE49-F238E27FC236}">
+                <a16:creationId xmlns:a16="http://schemas.microsoft.com/office/drawing/2014/main" id="{FB3ABA35-6E31-445E-81C2-9FD8AB0D7ECB}"/>
               </a:ext>
             </a:extLst>
           </p:cNvPr>
@@ -6168,8 +6028,8 @@
         </p:blipFill>
         <p:spPr>
           <a:xfrm>
-            <a:off x="838200" y="1479456"/>
-            <a:ext cx="9360000" cy="671700"/>
+            <a:off x="561505" y="2805019"/>
+            <a:ext cx="11068989" cy="3480814"/>
           </a:xfrm>
           <a:prstGeom prst="rect">
             <a:avLst/>
@@ -6178,10 +6038,10 @@
       </p:pic>
       <p:pic>
         <p:nvPicPr>
-          <p:cNvPr id="4" name="Kép 3">
-            <a:extLst>
-              <a:ext uri="{FF2B5EF4-FFF2-40B4-BE49-F238E27FC236}">
-                <a16:creationId xmlns:a16="http://schemas.microsoft.com/office/drawing/2014/main" id="{FB3ABA35-6E31-445E-81C2-9FD8AB0D7ECB}"/>
+          <p:cNvPr id="3" name="Kép 2">
+            <a:extLst>
+              <a:ext uri="{FF2B5EF4-FFF2-40B4-BE49-F238E27FC236}">
+                <a16:creationId xmlns:a16="http://schemas.microsoft.com/office/drawing/2014/main" id="{53641A2D-4861-4F7F-ABB7-E03AC59DC1A9}"/>
               </a:ext>
             </a:extLst>
           </p:cNvPr>
@@ -6198,8 +6058,8 @@
         </p:blipFill>
         <p:spPr>
           <a:xfrm>
-            <a:off x="561505" y="2805019"/>
-            <a:ext cx="11068989" cy="3480814"/>
+            <a:off x="838199" y="1479456"/>
+            <a:ext cx="9131423" cy="779818"/>
           </a:xfrm>
           <a:prstGeom prst="rect">
             <a:avLst/>
@@ -6580,70 +6440,12 @@
           <a:chExt cx="0" cy="0"/>
         </a:xfrm>
       </p:grpSpPr>
-      <p:sp>
-        <p:nvSpPr>
-          <p:cNvPr id="2" name="Cím 1">
-            <a:extLst>
-              <a:ext uri="{FF2B5EF4-FFF2-40B4-BE49-F238E27FC236}">
-                <a16:creationId xmlns:a16="http://schemas.microsoft.com/office/drawing/2014/main" id="{228BD054-BD5C-0918-BAF8-DD843E2ECD25}"/>
-              </a:ext>
-            </a:extLst>
-          </p:cNvPr>
-          <p:cNvSpPr>
-            <a:spLocks noGrp="1"/>
-          </p:cNvSpPr>
-          <p:nvPr>
-            <p:ph type="title"/>
-          </p:nvPr>
-        </p:nvSpPr>
-        <p:spPr>
-          <a:xfrm>
-            <a:off x="838200" y="365125"/>
-            <a:ext cx="10515600" cy="1325563"/>
-          </a:xfrm>
-        </p:spPr>
-        <p:txBody>
-          <a:bodyPr/>
-          <a:lstStyle/>
-          <a:p>
-            <a:r>
-              <a:rPr lang="hu-HU" dirty="0"/>
-              <a:t>5. feladat:</a:t>
-            </a:r>
-          </a:p>
-        </p:txBody>
-      </p:sp>
-      <p:sp>
-        <p:nvSpPr>
-          <p:cNvPr id="6" name="Tartalom helye 5">
-            <a:extLst>
-              <a:ext uri="{FF2B5EF4-FFF2-40B4-BE49-F238E27FC236}">
-                <a16:creationId xmlns:a16="http://schemas.microsoft.com/office/drawing/2014/main" id="{7C437416-A3CE-B098-C479-59C0BF31D751}"/>
-              </a:ext>
-            </a:extLst>
-          </p:cNvPr>
-          <p:cNvSpPr>
-            <a:spLocks noGrp="1"/>
-          </p:cNvSpPr>
-          <p:nvPr>
-            <p:ph idx="1"/>
-          </p:nvPr>
-        </p:nvSpPr>
-        <p:spPr/>
-        <p:txBody>
-          <a:bodyPr/>
-          <a:lstStyle/>
-          <a:p>
-            <a:endParaRPr lang="hu-HU"/>
-          </a:p>
-        </p:txBody>
-      </p:sp>
       <p:pic>
         <p:nvPicPr>
-          <p:cNvPr id="3" name="Kép 2">
-            <a:extLst>
-              <a:ext uri="{FF2B5EF4-FFF2-40B4-BE49-F238E27FC236}">
-                <a16:creationId xmlns:a16="http://schemas.microsoft.com/office/drawing/2014/main" id="{1A9C050C-C2C4-5BF3-6E3E-8CC46B54A613}"/>
+          <p:cNvPr id="4" name="Kép 3">
+            <a:extLst>
+              <a:ext uri="{FF2B5EF4-FFF2-40B4-BE49-F238E27FC236}">
+                <a16:creationId xmlns:a16="http://schemas.microsoft.com/office/drawing/2014/main" id="{D9CE81F0-2FBC-4C15-966A-8EB5D7BC30B1}"/>
               </a:ext>
             </a:extLst>
           </p:cNvPr>
@@ -6660,14 +6462,47 @@
         </p:blipFill>
         <p:spPr>
           <a:xfrm>
-            <a:off x="838200" y="1462306"/>
-            <a:ext cx="9360000" cy="960000"/>
+            <a:off x="867571" y="1465045"/>
+            <a:ext cx="9323392" cy="763250"/>
           </a:xfrm>
           <a:prstGeom prst="rect">
             <a:avLst/>
           </a:prstGeom>
         </p:spPr>
       </p:pic>
+      <p:sp>
+        <p:nvSpPr>
+          <p:cNvPr id="2" name="Cím 1">
+            <a:extLst>
+              <a:ext uri="{FF2B5EF4-FFF2-40B4-BE49-F238E27FC236}">
+                <a16:creationId xmlns:a16="http://schemas.microsoft.com/office/drawing/2014/main" id="{228BD054-BD5C-0918-BAF8-DD843E2ECD25}"/>
+              </a:ext>
+            </a:extLst>
+          </p:cNvPr>
+          <p:cNvSpPr>
+            <a:spLocks noGrp="1"/>
+          </p:cNvSpPr>
+          <p:nvPr>
+            <p:ph type="title"/>
+          </p:nvPr>
+        </p:nvSpPr>
+        <p:spPr>
+          <a:xfrm>
+            <a:off x="838200" y="365125"/>
+            <a:ext cx="10515600" cy="1325563"/>
+          </a:xfrm>
+        </p:spPr>
+        <p:txBody>
+          <a:bodyPr/>
+          <a:lstStyle/>
+          <a:p>
+            <a:r>
+              <a:rPr lang="hu-HU" dirty="0"/>
+              <a:t>5. feladat:</a:t>
+            </a:r>
+          </a:p>
+        </p:txBody>
+      </p:sp>
       <p:pic>
         <p:nvPicPr>
           <p:cNvPr id="5" name="Kép 4">
@@ -6695,6 +6530,11 @@
           <a:prstGeom prst="rect">
             <a:avLst/>
           </a:prstGeom>
+          <a:ln w="15875">
+            <a:solidFill>
+              <a:schemeClr val="bg1"/>
+            </a:solidFill>
+          </a:ln>
         </p:spPr>
       </p:pic>
       <p:pic>
@@ -6898,40 +6738,12 @@
           <a:chExt cx="0" cy="0"/>
         </a:xfrm>
       </p:grpSpPr>
-      <p:sp>
-        <p:nvSpPr>
-          <p:cNvPr id="2" name="Cím 1">
-            <a:extLst>
-              <a:ext uri="{FF2B5EF4-FFF2-40B4-BE49-F238E27FC236}">
-                <a16:creationId xmlns:a16="http://schemas.microsoft.com/office/drawing/2014/main" id="{468E96EE-5BF1-1CDA-7F08-0CFDA08525F7}"/>
-              </a:ext>
-            </a:extLst>
-          </p:cNvPr>
-          <p:cNvSpPr>
-            <a:spLocks noGrp="1"/>
-          </p:cNvSpPr>
-          <p:nvPr>
-            <p:ph type="title"/>
-          </p:nvPr>
-        </p:nvSpPr>
-        <p:spPr/>
-        <p:txBody>
-          <a:bodyPr/>
-          <a:lstStyle/>
-          <a:p>
-            <a:r>
-              <a:rPr lang="hu-HU" dirty="0"/>
-              <a:t>6. feladat:</a:t>
-            </a:r>
-          </a:p>
-        </p:txBody>
-      </p:sp>
       <p:pic>
         <p:nvPicPr>
-          <p:cNvPr id="6" name="Kép 5">
-            <a:extLst>
-              <a:ext uri="{FF2B5EF4-FFF2-40B4-BE49-F238E27FC236}">
-                <a16:creationId xmlns:a16="http://schemas.microsoft.com/office/drawing/2014/main" id="{E2EEADB3-0A8E-A760-79F0-E7F4AAE8B5AD}"/>
+          <p:cNvPr id="3" name="Kép 2">
+            <a:extLst>
+              <a:ext uri="{FF2B5EF4-FFF2-40B4-BE49-F238E27FC236}">
+                <a16:creationId xmlns:a16="http://schemas.microsoft.com/office/drawing/2014/main" id="{B4F69836-2BA7-4FD8-AB97-21BAB40EDC41}"/>
               </a:ext>
             </a:extLst>
           </p:cNvPr>
@@ -6942,19 +6754,48 @@
         </p:nvPicPr>
         <p:blipFill>
           <a:blip r:embed="rId2"/>
-          <a:srcRect r="1392"/>
-          <a:stretch/>
+          <a:stretch>
+            <a:fillRect/>
+          </a:stretch>
         </p:blipFill>
         <p:spPr>
           <a:xfrm>
-            <a:off x="838200" y="1457325"/>
-            <a:ext cx="9360000" cy="1716660"/>
+            <a:off x="812426" y="1456539"/>
+            <a:ext cx="10370704" cy="1400045"/>
           </a:xfrm>
           <a:prstGeom prst="rect">
             <a:avLst/>
           </a:prstGeom>
         </p:spPr>
       </p:pic>
+      <p:sp>
+        <p:nvSpPr>
+          <p:cNvPr id="2" name="Cím 1">
+            <a:extLst>
+              <a:ext uri="{FF2B5EF4-FFF2-40B4-BE49-F238E27FC236}">
+                <a16:creationId xmlns:a16="http://schemas.microsoft.com/office/drawing/2014/main" id="{468E96EE-5BF1-1CDA-7F08-0CFDA08525F7}"/>
+              </a:ext>
+            </a:extLst>
+          </p:cNvPr>
+          <p:cNvSpPr>
+            <a:spLocks noGrp="1"/>
+          </p:cNvSpPr>
+          <p:nvPr>
+            <p:ph type="title"/>
+          </p:nvPr>
+        </p:nvSpPr>
+        <p:spPr/>
+        <p:txBody>
+          <a:bodyPr/>
+          <a:lstStyle/>
+          <a:p>
+            <a:r>
+              <a:rPr lang="hu-HU" dirty="0"/>
+              <a:t>6. feladat:</a:t>
+            </a:r>
+          </a:p>
+        </p:txBody>
+      </p:sp>
       <p:pic>
         <p:nvPicPr>
           <p:cNvPr id="4" name="Kép 3">
@@ -7013,6 +6854,11 @@
           <a:prstGeom prst="rect">
             <a:avLst/>
           </a:prstGeom>
+          <a:ln w="15875">
+            <a:solidFill>
+              <a:schemeClr val="bg1"/>
+            </a:solidFill>
+          </a:ln>
         </p:spPr>
       </p:pic>
       <p:pic>
@@ -7043,6 +6889,11 @@
           <a:prstGeom prst="rect">
             <a:avLst/>
           </a:prstGeom>
+          <a:ln w="15875">
+            <a:solidFill>
+              <a:schemeClr val="bg1"/>
+            </a:solidFill>
+          </a:ln>
         </p:spPr>
       </p:pic>
     </p:spTree>
@@ -7390,10 +7241,10 @@
       </p:sp>
       <p:pic>
         <p:nvPicPr>
-          <p:cNvPr id="4" name="Kép 3">
-            <a:extLst>
-              <a:ext uri="{FF2B5EF4-FFF2-40B4-BE49-F238E27FC236}">
-                <a16:creationId xmlns:a16="http://schemas.microsoft.com/office/drawing/2014/main" id="{E1D5DDE8-F495-7728-986A-F90A733A7F88}"/>
+          <p:cNvPr id="12" name="Kép 11">
+            <a:extLst>
+              <a:ext uri="{FF2B5EF4-FFF2-40B4-BE49-F238E27FC236}">
+                <a16:creationId xmlns:a16="http://schemas.microsoft.com/office/drawing/2014/main" id="{12E99BF9-50D9-BF1E-224C-DFF9B055C54D}"/>
               </a:ext>
             </a:extLst>
           </p:cNvPr>
@@ -7404,35 +7255,6 @@
         </p:nvPicPr>
         <p:blipFill>
           <a:blip r:embed="rId2"/>
-          <a:srcRect r="2426"/>
-          <a:stretch/>
-        </p:blipFill>
-        <p:spPr>
-          <a:xfrm>
-            <a:off x="838200" y="1495706"/>
-            <a:ext cx="9132889" cy="2190933"/>
-          </a:xfrm>
-          <a:prstGeom prst="rect">
-            <a:avLst/>
-          </a:prstGeom>
-        </p:spPr>
-      </p:pic>
-      <p:pic>
-        <p:nvPicPr>
-          <p:cNvPr id="12" name="Kép 11">
-            <a:extLst>
-              <a:ext uri="{FF2B5EF4-FFF2-40B4-BE49-F238E27FC236}">
-                <a16:creationId xmlns:a16="http://schemas.microsoft.com/office/drawing/2014/main" id="{12E99BF9-50D9-BF1E-224C-DFF9B055C54D}"/>
-              </a:ext>
-            </a:extLst>
-          </p:cNvPr>
-          <p:cNvPicPr>
-            <a:picLocks noChangeAspect="1"/>
-          </p:cNvPicPr>
-          <p:nvPr/>
-        </p:nvPicPr>
-        <p:blipFill>
-          <a:blip r:embed="rId3"/>
           <a:srcRect t="7684"/>
           <a:stretch/>
         </p:blipFill>
@@ -7461,7 +7283,7 @@
           <p:nvPr/>
         </p:nvPicPr>
         <p:blipFill>
-          <a:blip r:embed="rId4"/>
+          <a:blip r:embed="rId3"/>
           <a:srcRect t="5292" r="6411" b="3005"/>
           <a:stretch/>
         </p:blipFill>
@@ -7490,7 +7312,7 @@
           <p:nvPr/>
         </p:nvPicPr>
         <p:blipFill>
-          <a:blip r:embed="rId5"/>
+          <a:blip r:embed="rId4"/>
           <a:srcRect r="6061"/>
           <a:stretch/>
         </p:blipFill>
@@ -7498,6 +7320,36 @@
           <a:xfrm>
             <a:off x="2261937" y="-2920607"/>
             <a:ext cx="9705473" cy="2920607"/>
+          </a:xfrm>
+          <a:prstGeom prst="rect">
+            <a:avLst/>
+          </a:prstGeom>
+        </p:spPr>
+      </p:pic>
+      <p:pic>
+        <p:nvPicPr>
+          <p:cNvPr id="3" name="Kép 2">
+            <a:extLst>
+              <a:ext uri="{FF2B5EF4-FFF2-40B4-BE49-F238E27FC236}">
+                <a16:creationId xmlns:a16="http://schemas.microsoft.com/office/drawing/2014/main" id="{139E7792-3D4D-4DA4-A0F6-4A23A04594EF}"/>
+              </a:ext>
+            </a:extLst>
+          </p:cNvPr>
+          <p:cNvPicPr>
+            <a:picLocks noChangeAspect="1"/>
+          </p:cNvPicPr>
+          <p:nvPr/>
+        </p:nvPicPr>
+        <p:blipFill>
+          <a:blip r:embed="rId5"/>
+          <a:stretch>
+            <a:fillRect/>
+          </a:stretch>
+        </p:blipFill>
+        <p:spPr>
+          <a:xfrm>
+            <a:off x="838200" y="1495706"/>
+            <a:ext cx="9347655" cy="1860053"/>
           </a:xfrm>
           <a:prstGeom prst="rect">
             <a:avLst/>
